--- a/images/theory_analysis/Machine_Learning_Workflow/Machine_Learning_Workflow.pptx
+++ b/images/theory_analysis/Machine_Learning_Workflow/Machine_Learning_Workflow.pptx
@@ -215,7 +215,7 @@
           <a:p>
             <a:fld id="{6CD5550B-26C4-49A9-A5BA-636EF7BE6CE9}" type="datetimeFigureOut">
               <a:rPr lang="ko-KR" altLang="en-US" smtClean="0"/>
-              <a:t>2022-10-15</a:t>
+              <a:t>2022-10-16</a:t>
             </a:fld>
             <a:endParaRPr lang="ko-KR" altLang="en-US"/>
           </a:p>
@@ -829,7 +829,7 @@
           <a:p>
             <a:fld id="{FB30EDBD-1C2D-4C1E-B459-B60219FAB484}" type="datetimeFigureOut">
               <a:rPr lang="ko-KR" altLang="en-US" smtClean="0"/>
-              <a:t>2022-10-15</a:t>
+              <a:t>2022-10-16</a:t>
             </a:fld>
             <a:endParaRPr lang="ko-KR" altLang="en-US"/>
           </a:p>
@@ -992,7 +992,7 @@
           <a:p>
             <a:fld id="{FB30EDBD-1C2D-4C1E-B459-B60219FAB484}" type="datetimeFigureOut">
               <a:rPr lang="ko-KR" altLang="en-US" smtClean="0"/>
-              <a:t>2022-10-15</a:t>
+              <a:t>2022-10-16</a:t>
             </a:fld>
             <a:endParaRPr lang="ko-KR" altLang="en-US"/>
           </a:p>
@@ -1165,7 +1165,7 @@
           <a:p>
             <a:fld id="{FB30EDBD-1C2D-4C1E-B459-B60219FAB484}" type="datetimeFigureOut">
               <a:rPr lang="ko-KR" altLang="en-US" smtClean="0"/>
-              <a:t>2022-10-15</a:t>
+              <a:t>2022-10-16</a:t>
             </a:fld>
             <a:endParaRPr lang="ko-KR" altLang="en-US"/>
           </a:p>
@@ -1328,7 +1328,7 @@
           <a:p>
             <a:fld id="{FB30EDBD-1C2D-4C1E-B459-B60219FAB484}" type="datetimeFigureOut">
               <a:rPr lang="ko-KR" altLang="en-US" smtClean="0"/>
-              <a:t>2022-10-15</a:t>
+              <a:t>2022-10-16</a:t>
             </a:fld>
             <a:endParaRPr lang="ko-KR" altLang="en-US"/>
           </a:p>
@@ -1568,7 +1568,7 @@
           <a:p>
             <a:fld id="{FB30EDBD-1C2D-4C1E-B459-B60219FAB484}" type="datetimeFigureOut">
               <a:rPr lang="ko-KR" altLang="en-US" smtClean="0"/>
-              <a:t>2022-10-15</a:t>
+              <a:t>2022-10-16</a:t>
             </a:fld>
             <a:endParaRPr lang="ko-KR" altLang="en-US"/>
           </a:p>
@@ -1848,7 +1848,7 @@
           <a:p>
             <a:fld id="{FB30EDBD-1C2D-4C1E-B459-B60219FAB484}" type="datetimeFigureOut">
               <a:rPr lang="ko-KR" altLang="en-US" smtClean="0"/>
-              <a:t>2022-10-15</a:t>
+              <a:t>2022-10-16</a:t>
             </a:fld>
             <a:endParaRPr lang="ko-KR" altLang="en-US"/>
           </a:p>
@@ -2262,7 +2262,7 @@
           <a:p>
             <a:fld id="{FB30EDBD-1C2D-4C1E-B459-B60219FAB484}" type="datetimeFigureOut">
               <a:rPr lang="ko-KR" altLang="en-US" smtClean="0"/>
-              <a:t>2022-10-15</a:t>
+              <a:t>2022-10-16</a:t>
             </a:fld>
             <a:endParaRPr lang="ko-KR" altLang="en-US"/>
           </a:p>
@@ -2374,7 +2374,7 @@
           <a:p>
             <a:fld id="{FB30EDBD-1C2D-4C1E-B459-B60219FAB484}" type="datetimeFigureOut">
               <a:rPr lang="ko-KR" altLang="en-US" smtClean="0"/>
-              <a:t>2022-10-15</a:t>
+              <a:t>2022-10-16</a:t>
             </a:fld>
             <a:endParaRPr lang="ko-KR" altLang="en-US"/>
           </a:p>
@@ -2464,7 +2464,7 @@
           <a:p>
             <a:fld id="{FB30EDBD-1C2D-4C1E-B459-B60219FAB484}" type="datetimeFigureOut">
               <a:rPr lang="ko-KR" altLang="en-US" smtClean="0"/>
-              <a:t>2022-10-15</a:t>
+              <a:t>2022-10-16</a:t>
             </a:fld>
             <a:endParaRPr lang="ko-KR" altLang="en-US"/>
           </a:p>
@@ -2734,7 +2734,7 @@
           <a:p>
             <a:fld id="{FB30EDBD-1C2D-4C1E-B459-B60219FAB484}" type="datetimeFigureOut">
               <a:rPr lang="ko-KR" altLang="en-US" smtClean="0"/>
-              <a:t>2022-10-15</a:t>
+              <a:t>2022-10-16</a:t>
             </a:fld>
             <a:endParaRPr lang="ko-KR" altLang="en-US"/>
           </a:p>
@@ -2981,7 +2981,7 @@
           <a:p>
             <a:fld id="{FB30EDBD-1C2D-4C1E-B459-B60219FAB484}" type="datetimeFigureOut">
               <a:rPr lang="ko-KR" altLang="en-US" smtClean="0"/>
-              <a:t>2022-10-15</a:t>
+              <a:t>2022-10-16</a:t>
             </a:fld>
             <a:endParaRPr lang="ko-KR" altLang="en-US"/>
           </a:p>
@@ -3187,7 +3187,7 @@
           <a:p>
             <a:fld id="{FB30EDBD-1C2D-4C1E-B459-B60219FAB484}" type="datetimeFigureOut">
               <a:rPr lang="ko-KR" altLang="en-US" smtClean="0"/>
-              <a:t>2022-10-15</a:t>
+              <a:t>2022-10-16</a:t>
             </a:fld>
             <a:endParaRPr lang="ko-KR" altLang="en-US"/>
           </a:p>
@@ -3781,14 +3781,7 @@
             <a:pPr algn="ctr"/>
             <a:r>
               <a:rPr lang="en-US" altLang="ko-KR" sz="1200"/>
-              <a:t>Model </a:t>
-            </a:r>
-          </a:p>
-          <a:p>
-            <a:pPr algn="ctr"/>
-            <a:r>
-              <a:rPr lang="en-US" altLang="ko-KR" sz="1200"/>
-              <a:t>Hyper-parameter Tuning</a:t>
+              <a:t>Algorithm Selection</a:t>
             </a:r>
             <a:endParaRPr lang="ko-KR" altLang="en-US" sz="1200"/>
           </a:p>
@@ -3809,7 +3802,7 @@
         <p:spPr>
           <a:xfrm>
             <a:off x="5958873" y="1131590"/>
-            <a:ext cx="2232248" cy="3312368"/>
+            <a:ext cx="2232248" cy="2160243"/>
           </a:xfrm>
           <a:prstGeom prst="roundRect">
             <a:avLst>
@@ -3938,8 +3931,16 @@
             <a:pPr algn="ctr"/>
             <a:r>
               <a:rPr lang="en-US" altLang="ko-KR" sz="1200"/>
-              <a:t>Model Selection</a:t>
-            </a:r>
+              <a:t>Model </a:t>
+            </a:r>
+          </a:p>
+          <a:p>
+            <a:pPr algn="ctr"/>
+            <a:r>
+              <a:rPr lang="en-US" altLang="ko-KR" sz="1200"/>
+              <a:t>Hyper-parameter Tuning</a:t>
+            </a:r>
+            <a:endParaRPr lang="ko-KR" altLang="en-US" sz="1200"/>
           </a:p>
         </p:txBody>
       </p:sp>
@@ -3987,7 +3988,7 @@
             <a:pPr algn="ctr"/>
             <a:r>
               <a:rPr lang="en-US" altLang="ko-KR" sz="1200"/>
-              <a:t>Model Validation</a:t>
+              <a:t>Model Training</a:t>
             </a:r>
             <a:endParaRPr lang="ko-KR" altLang="en-US" sz="1200"/>
           </a:p>
@@ -4037,7 +4038,7 @@
             <a:pPr algn="ctr"/>
             <a:r>
               <a:rPr lang="en-US" altLang="ko-KR" sz="1200"/>
-              <a:t>Model Testing</a:t>
+              <a:t>Model Validation</a:t>
             </a:r>
             <a:endParaRPr lang="ko-KR" altLang="en-US" sz="1200"/>
           </a:p>
@@ -4765,6 +4766,232 @@
           <a:xfrm>
             <a:off x="7074997" y="2571751"/>
             <a:ext cx="0" cy="144014"/>
+          </a:xfrm>
+          <a:prstGeom prst="straightConnector1">
+            <a:avLst/>
+          </a:prstGeom>
+          <a:ln w="12700">
+            <a:headEnd type="none" w="med" len="med"/>
+            <a:tailEnd type="arrow" w="med" len="med"/>
+          </a:ln>
+        </p:spPr>
+        <p:style>
+          <a:lnRef idx="1">
+            <a:schemeClr val="dk1"/>
+          </a:lnRef>
+          <a:fillRef idx="0">
+            <a:schemeClr val="dk1"/>
+          </a:fillRef>
+          <a:effectRef idx="0">
+            <a:schemeClr val="dk1"/>
+          </a:effectRef>
+          <a:fontRef idx="minor">
+            <a:schemeClr val="tx1"/>
+          </a:fontRef>
+        </p:style>
+      </p:cxnSp>
+      <p:sp>
+        <p:nvSpPr>
+          <p:cNvPr id="5" name="사각형: 둥근 모서리 59">
+            <a:extLst>
+              <a:ext uri="{FF2B5EF4-FFF2-40B4-BE49-F238E27FC236}">
+                <a16:creationId xmlns:a16="http://schemas.microsoft.com/office/drawing/2014/main" id="{DAF3F438-D6CA-E757-845D-4420D4DFD429}"/>
+              </a:ext>
+            </a:extLst>
+          </p:cNvPr>
+          <p:cNvSpPr/>
+          <p:nvPr/>
+        </p:nvSpPr>
+        <p:spPr>
+          <a:xfrm>
+            <a:off x="3491880" y="3867894"/>
+            <a:ext cx="1944216" cy="432048"/>
+          </a:xfrm>
+          <a:prstGeom prst="roundRect">
+            <a:avLst>
+              <a:gd name="adj" fmla="val 8201"/>
+            </a:avLst>
+          </a:prstGeom>
+        </p:spPr>
+        <p:style>
+          <a:lnRef idx="2">
+            <a:schemeClr val="dk1"/>
+          </a:lnRef>
+          <a:fillRef idx="1">
+            <a:schemeClr val="lt1"/>
+          </a:fillRef>
+          <a:effectRef idx="0">
+            <a:schemeClr val="dk1"/>
+          </a:effectRef>
+          <a:fontRef idx="minor">
+            <a:schemeClr val="dk1"/>
+          </a:fontRef>
+        </p:style>
+        <p:txBody>
+          <a:bodyPr rtlCol="0" anchor="ctr"/>
+          <a:lstStyle/>
+          <a:p>
+            <a:pPr algn="ctr"/>
+            <a:r>
+              <a:rPr lang="en-US" altLang="ko-KR" sz="1200"/>
+              <a:t>Model Testing</a:t>
+            </a:r>
+            <a:endParaRPr lang="ko-KR" altLang="en-US" sz="1200"/>
+          </a:p>
+        </p:txBody>
+      </p:sp>
+      <p:cxnSp>
+        <p:nvCxnSpPr>
+          <p:cNvPr id="7" name="Straight Arrow Connector 6">
+            <a:extLst>
+              <a:ext uri="{FF2B5EF4-FFF2-40B4-BE49-F238E27FC236}">
+                <a16:creationId xmlns:a16="http://schemas.microsoft.com/office/drawing/2014/main" id="{ADBB1B7D-330A-32C6-739B-2EC3B0F96021}"/>
+              </a:ext>
+            </a:extLst>
+          </p:cNvPr>
+          <p:cNvCxnSpPr>
+            <a:cxnSpLocks/>
+            <a:stCxn id="15" idx="2"/>
+            <a:endCxn id="16" idx="0"/>
+          </p:cNvCxnSpPr>
+          <p:nvPr/>
+        </p:nvCxnSpPr>
+        <p:spPr>
+          <a:xfrm>
+            <a:off x="4463988" y="2571751"/>
+            <a:ext cx="0" cy="144017"/>
+          </a:xfrm>
+          <a:prstGeom prst="straightConnector1">
+            <a:avLst/>
+          </a:prstGeom>
+          <a:ln w="12700">
+            <a:headEnd type="none" w="med" len="med"/>
+            <a:tailEnd type="arrow" w="med" len="med"/>
+          </a:ln>
+        </p:spPr>
+        <p:style>
+          <a:lnRef idx="1">
+            <a:schemeClr val="dk1"/>
+          </a:lnRef>
+          <a:fillRef idx="0">
+            <a:schemeClr val="dk1"/>
+          </a:fillRef>
+          <a:effectRef idx="0">
+            <a:schemeClr val="dk1"/>
+          </a:effectRef>
+          <a:fontRef idx="minor">
+            <a:schemeClr val="tx1"/>
+          </a:fontRef>
+        </p:style>
+      </p:cxnSp>
+      <p:cxnSp>
+        <p:nvCxnSpPr>
+          <p:cNvPr id="25" name="Straight Arrow Connector 24">
+            <a:extLst>
+              <a:ext uri="{FF2B5EF4-FFF2-40B4-BE49-F238E27FC236}">
+                <a16:creationId xmlns:a16="http://schemas.microsoft.com/office/drawing/2014/main" id="{7E7B0964-C228-4D77-815B-0241F0C891BF}"/>
+              </a:ext>
+            </a:extLst>
+          </p:cNvPr>
+          <p:cNvCxnSpPr>
+            <a:cxnSpLocks/>
+            <a:stCxn id="16" idx="2"/>
+            <a:endCxn id="17" idx="0"/>
+          </p:cNvCxnSpPr>
+          <p:nvPr/>
+        </p:nvCxnSpPr>
+        <p:spPr>
+          <a:xfrm>
+            <a:off x="4463988" y="3147816"/>
+            <a:ext cx="0" cy="144017"/>
+          </a:xfrm>
+          <a:prstGeom prst="straightConnector1">
+            <a:avLst/>
+          </a:prstGeom>
+          <a:ln w="12700">
+            <a:headEnd type="none" w="med" len="med"/>
+            <a:tailEnd type="arrow" w="med" len="med"/>
+          </a:ln>
+        </p:spPr>
+        <p:style>
+          <a:lnRef idx="1">
+            <a:schemeClr val="dk1"/>
+          </a:lnRef>
+          <a:fillRef idx="0">
+            <a:schemeClr val="dk1"/>
+          </a:fillRef>
+          <a:effectRef idx="0">
+            <a:schemeClr val="dk1"/>
+          </a:effectRef>
+          <a:fontRef idx="minor">
+            <a:schemeClr val="tx1"/>
+          </a:fontRef>
+        </p:style>
+      </p:cxnSp>
+      <p:cxnSp>
+        <p:nvCxnSpPr>
+          <p:cNvPr id="30" name="Straight Arrow Connector 29">
+            <a:extLst>
+              <a:ext uri="{FF2B5EF4-FFF2-40B4-BE49-F238E27FC236}">
+                <a16:creationId xmlns:a16="http://schemas.microsoft.com/office/drawing/2014/main" id="{6F850BF2-A833-FCF6-6330-E0D12761A347}"/>
+              </a:ext>
+            </a:extLst>
+          </p:cNvPr>
+          <p:cNvCxnSpPr>
+            <a:cxnSpLocks/>
+            <a:stCxn id="17" idx="2"/>
+            <a:endCxn id="5" idx="0"/>
+          </p:cNvCxnSpPr>
+          <p:nvPr/>
+        </p:nvCxnSpPr>
+        <p:spPr>
+          <a:xfrm>
+            <a:off x="4463988" y="3723881"/>
+            <a:ext cx="0" cy="144013"/>
+          </a:xfrm>
+          <a:prstGeom prst="straightConnector1">
+            <a:avLst/>
+          </a:prstGeom>
+          <a:ln w="12700">
+            <a:headEnd type="none" w="med" len="med"/>
+            <a:tailEnd type="arrow" w="med" len="med"/>
+          </a:ln>
+        </p:spPr>
+        <p:style>
+          <a:lnRef idx="1">
+            <a:schemeClr val="dk1"/>
+          </a:lnRef>
+          <a:fillRef idx="0">
+            <a:schemeClr val="dk1"/>
+          </a:fillRef>
+          <a:effectRef idx="0">
+            <a:schemeClr val="dk1"/>
+          </a:effectRef>
+          <a:fontRef idx="minor">
+            <a:schemeClr val="tx1"/>
+          </a:fontRef>
+        </p:style>
+      </p:cxnSp>
+      <p:cxnSp>
+        <p:nvCxnSpPr>
+          <p:cNvPr id="34" name="Straight Arrow Connector 33">
+            <a:extLst>
+              <a:ext uri="{FF2B5EF4-FFF2-40B4-BE49-F238E27FC236}">
+                <a16:creationId xmlns:a16="http://schemas.microsoft.com/office/drawing/2014/main" id="{9D09D3C8-1630-E2A2-395B-87EB04FC9216}"/>
+              </a:ext>
+            </a:extLst>
+          </p:cNvPr>
+          <p:cNvCxnSpPr>
+            <a:cxnSpLocks/>
+            <a:stCxn id="5" idx="3"/>
+            <a:endCxn id="14" idx="1"/>
+          </p:cNvCxnSpPr>
+          <p:nvPr/>
+        </p:nvCxnSpPr>
+        <p:spPr>
+          <a:xfrm flipV="1">
+            <a:off x="5436096" y="1779662"/>
+            <a:ext cx="666793" cy="2304256"/>
           </a:xfrm>
           <a:prstGeom prst="straightConnector1">
             <a:avLst/>

--- a/images/theory_analysis/Machine_Learning_Workflow/Machine_Learning_Workflow.pptx
+++ b/images/theory_analysis/Machine_Learning_Workflow/Machine_Learning_Workflow.pptx
@@ -3938,7 +3938,7 @@
             <a:pPr algn="ctr"/>
             <a:r>
               <a:rPr lang="en-US" altLang="ko-KR" sz="1200"/>
-              <a:t>Hyper-parameter Tuning</a:t>
+              <a:t>Hyperparameter Tuning</a:t>
             </a:r>
             <a:endParaRPr lang="ko-KR" altLang="en-US" sz="1200"/>
           </a:p>
